--- a/lecture/Lecture 02 Aug 29/02 Data (Lecture 2.1).pptx
+++ b/lecture/Lecture 02 Aug 29/02 Data (Lecture 2.1).pptx
@@ -5362,7 +5362,7 @@
           <p:nvPr/>
         </p:nvPicPr>
         <p:blipFill>
-          <a:blip r:embed="rId3"/>
+          <a:blip/>
           <a:stretch>
             <a:fillRect/>
           </a:stretch>
@@ -5745,7 +5745,7 @@
           <p:nvPr/>
         </p:nvPicPr>
         <p:blipFill>
-          <a:blip r:embed="rId3"/>
+          <a:blip/>
           <a:stretch>
             <a:fillRect/>
           </a:stretch>
@@ -5915,7 +5915,7 @@
           <p:nvPr/>
         </p:nvPicPr>
         <p:blipFill>
-          <a:blip r:embed="rId4"/>
+          <a:blip/>
           <a:stretch>
             <a:fillRect/>
           </a:stretch>
@@ -5945,7 +5945,7 @@
           <p:nvPr/>
         </p:nvPicPr>
         <p:blipFill>
-          <a:blip r:embed="rId5"/>
+          <a:blip/>
           <a:stretch>
             <a:fillRect/>
           </a:stretch>
@@ -6433,7 +6433,7 @@
           <p:nvPr/>
         </p:nvPicPr>
         <p:blipFill>
-          <a:blip r:embed="rId2">
+          <a:blip>
             <a:extLst>
               <a:ext uri="{28A0092B-C50C-407E-A947-70E740481C1C}">
                 <a14:useLocalDpi xmlns:a14="http://schemas.microsoft.com/office/drawing/2010/main" val="0"/>
@@ -6868,13 +6868,8 @@
             </a:r>
             <a:r>
               <a:rPr lang="en-US" sz="2000" dirty="0"/>
-              <a:t>) to get to their current </a:t>
-            </a:r>
-            <a:r>
-              <a:rPr lang="en-US" sz="2000"/>
-              <a:t>condition?</a:t>
-            </a:r>
-            <a:endParaRPr lang="en-US" sz="2000" dirty="0"/>
+              <a:t>) to get to their current condition?</a:t>
+            </a:r>
           </a:p>
           <a:p>
             <a:r>
@@ -7502,7 +7497,7 @@
           <p:nvPr/>
         </p:nvPicPr>
         <p:blipFill>
-          <a:blip r:embed="rId2"/>
+          <a:blip/>
           <a:stretch>
             <a:fillRect/>
           </a:stretch>
@@ -7628,17 +7623,7 @@
             </a:pPr>
             <a:r>
               <a:rPr lang="en-US" dirty="0"/>
-              <a:t>(</a:t>
-            </a:r>
-            <a:r>
-              <a:rPr lang="en-US" dirty="0">
-                <a:hlinkClick r:id="rId2"/>
-              </a:rPr>
-              <a:t>here</a:t>
-            </a:r>
-            <a:r>
-              <a:rPr lang="en-US" dirty="0"/>
-              <a:t> is a simple </a:t>
+              <a:t>(Navigate to the </a:t>
             </a:r>
             <a:r>
               <a:rPr lang="en-US" dirty="0" err="1"/>
@@ -7646,7 +7631,7 @@
             </a:r>
             <a:r>
               <a:rPr lang="en-US" dirty="0"/>
-              <a:t> notebook to review in case you missed class)</a:t>
+              <a:t> notebooks in the lecture02 folder on datahub in case you missed class)</a:t>
             </a:r>
           </a:p>
         </p:txBody>
@@ -7926,7 +7911,7 @@
           <p:nvPr/>
         </p:nvPicPr>
         <p:blipFill>
-          <a:blip r:embed="rId4"/>
+          <a:blip/>
           <a:stretch>
             <a:fillRect/>
           </a:stretch>
@@ -9553,7 +9538,7 @@
           <p:nvPr/>
         </p:nvPicPr>
         <p:blipFill>
-          <a:blip r:embed="rId2"/>
+          <a:blip/>
           <a:stretch>
             <a:fillRect/>
           </a:stretch>

--- a/lecture/Lecture 02 Aug 29/02 Data (Lecture 2.1).pptx
+++ b/lecture/Lecture 02 Aug 29/02 Data (Lecture 2.1).pptx
@@ -5347,36 +5347,6 @@
           </a:p>
         </p:txBody>
       </p:sp>
-      <p:pic>
-        <p:nvPicPr>
-          <p:cNvPr id="5" name="Picture 4">
-            <a:extLst>
-              <a:ext uri="{FF2B5EF4-FFF2-40B4-BE49-F238E27FC236}">
-                <a16:creationId xmlns:a16="http://schemas.microsoft.com/office/drawing/2014/main" id="{0233D58A-4134-6143-8023-5220A029197F}"/>
-              </a:ext>
-            </a:extLst>
-          </p:cNvPr>
-          <p:cNvPicPr>
-            <a:picLocks noChangeAspect="1"/>
-          </p:cNvPicPr>
-          <p:nvPr/>
-        </p:nvPicPr>
-        <p:blipFill>
-          <a:blip/>
-          <a:stretch>
-            <a:fillRect/>
-          </a:stretch>
-        </p:blipFill>
-        <p:spPr>
-          <a:xfrm>
-            <a:off x="5568880" y="2489049"/>
-            <a:ext cx="3005547" cy="2174867"/>
-          </a:xfrm>
-          <a:prstGeom prst="rect">
-            <a:avLst/>
-          </a:prstGeom>
-        </p:spPr>
-      </p:pic>
       <p:sp>
         <p:nvSpPr>
           <p:cNvPr id="8" name="Title 1">
@@ -5439,6 +5409,36 @@
           </a:p>
         </p:txBody>
       </p:sp>
+      <p:pic>
+        <p:nvPicPr>
+          <p:cNvPr id="2" name="Picture 1">
+            <a:extLst>
+              <a:ext uri="{FF2B5EF4-FFF2-40B4-BE49-F238E27FC236}">
+                <a16:creationId xmlns:a16="http://schemas.microsoft.com/office/drawing/2014/main" id="{5F77DE6E-025C-92FD-788F-1C8D4EB164C6}"/>
+              </a:ext>
+            </a:extLst>
+          </p:cNvPr>
+          <p:cNvPicPr>
+            <a:picLocks noChangeAspect="1"/>
+          </p:cNvPicPr>
+          <p:nvPr/>
+        </p:nvPicPr>
+        <p:blipFill>
+          <a:blip r:embed="rId3"/>
+          <a:stretch>
+            <a:fillRect/>
+          </a:stretch>
+        </p:blipFill>
+        <p:spPr>
+          <a:xfrm>
+            <a:off x="5568880" y="2489049"/>
+            <a:ext cx="3005547" cy="2174867"/>
+          </a:xfrm>
+          <a:prstGeom prst="rect">
+            <a:avLst/>
+          </a:prstGeom>
+        </p:spPr>
+      </p:pic>
     </p:spTree>
     <p:extLst>
       <p:ext uri="{BB962C8B-B14F-4D97-AF65-F5344CB8AC3E}">
@@ -5669,7 +5669,7 @@
                                           </p:stCondLst>
                                         </p:cTn>
                                         <p:tgtEl>
-                                          <p:spTgt spid="5"/>
+                                          <p:spTgt spid="2"/>
                                         </p:tgtEl>
                                         <p:attrNameLst>
                                           <p:attrName>style.visibility</p:attrName>
@@ -5730,12 +5730,152 @@
           <a:chExt cx="0" cy="0"/>
         </a:xfrm>
       </p:grpSpPr>
+      <p:sp>
+        <p:nvSpPr>
+          <p:cNvPr id="2" name="Title 1">
+            <a:extLst>
+              <a:ext uri="{FF2B5EF4-FFF2-40B4-BE49-F238E27FC236}">
+                <a16:creationId xmlns:a16="http://schemas.microsoft.com/office/drawing/2014/main" id="{825FB8E5-674B-DE46-949C-BC0329D4EA98}"/>
+              </a:ext>
+            </a:extLst>
+          </p:cNvPr>
+          <p:cNvSpPr>
+            <a:spLocks noGrp="1"/>
+          </p:cNvSpPr>
+          <p:nvPr>
+            <p:ph type="title"/>
+          </p:nvPr>
+        </p:nvSpPr>
+        <p:spPr/>
+        <p:txBody>
+          <a:bodyPr>
+            <a:normAutofit fontScale="90000"/>
+          </a:bodyPr>
+          <a:lstStyle/>
+          <a:p>
+            <a:r>
+              <a:rPr lang="en-US" dirty="0"/>
+              <a:t>Is bias the only thing we should care about when we construct a sample?</a:t>
+            </a:r>
+          </a:p>
+        </p:txBody>
+      </p:sp>
+      <p:sp>
+        <p:nvSpPr>
+          <p:cNvPr id="3" name="Content Placeholder 2">
+            <a:extLst>
+              <a:ext uri="{FF2B5EF4-FFF2-40B4-BE49-F238E27FC236}">
+                <a16:creationId xmlns:a16="http://schemas.microsoft.com/office/drawing/2014/main" id="{05A9A0D0-65BC-394C-8C6E-C9C3F5C8C130}"/>
+              </a:ext>
+            </a:extLst>
+          </p:cNvPr>
+          <p:cNvSpPr>
+            <a:spLocks noGrp="1"/>
+          </p:cNvSpPr>
+          <p:nvPr>
+            <p:ph idx="1"/>
+          </p:nvPr>
+        </p:nvSpPr>
+        <p:spPr>
+          <a:xfrm>
+            <a:off x="628650" y="1369219"/>
+            <a:ext cx="7886700" cy="1429941"/>
+          </a:xfrm>
+        </p:spPr>
+        <p:txBody>
+          <a:bodyPr/>
+          <a:lstStyle/>
+          <a:p>
+            <a:pPr marL="0" indent="0" algn="ctr">
+              <a:buNone/>
+            </a:pPr>
+            <a:r>
+              <a:rPr lang="en-US" dirty="0"/>
+              <a:t>No, we also care about sample </a:t>
+            </a:r>
+            <a:r>
+              <a:rPr lang="en-US" i="1" dirty="0"/>
+              <a:t>size</a:t>
+            </a:r>
+            <a:r>
+              <a:rPr lang="en-US" dirty="0"/>
+              <a:t> </a:t>
+            </a:r>
+            <a:r>
+              <a:rPr lang="en-US" dirty="0">
+                <a:sym typeface="Wingdings" pitchFamily="2" charset="2"/>
+              </a:rPr>
+              <a:t> this influences the variance of the thing you’re trying to estimate. </a:t>
+            </a:r>
+          </a:p>
+          <a:p>
+            <a:r>
+              <a:rPr lang="en-US" dirty="0">
+                <a:sym typeface="Wingdings" pitchFamily="2" charset="2"/>
+              </a:rPr>
+              <a:t>Variance:</a:t>
+            </a:r>
+          </a:p>
+          <a:p>
+            <a:pPr lvl="1"/>
+            <a:r>
+              <a:rPr lang="en-US" dirty="0">
+                <a:sym typeface="Wingdings" pitchFamily="2" charset="2"/>
+              </a:rPr>
+              <a:t>The size of the range of possible estimates you’d get from each sample</a:t>
+            </a:r>
+          </a:p>
+          <a:p>
+            <a:pPr marL="0" indent="0" algn="ctr">
+              <a:buNone/>
+            </a:pPr>
+            <a:endParaRPr lang="en-US" dirty="0">
+              <a:sym typeface="Wingdings" pitchFamily="2" charset="2"/>
+            </a:endParaRPr>
+          </a:p>
+          <a:p>
+            <a:pPr marL="0" indent="0" algn="ctr">
+              <a:buNone/>
+            </a:pPr>
+            <a:endParaRPr lang="en-US" dirty="0"/>
+          </a:p>
+        </p:txBody>
+      </p:sp>
+      <p:sp>
+        <p:nvSpPr>
+          <p:cNvPr id="4" name="Slide Number Placeholder 3">
+            <a:extLst>
+              <a:ext uri="{FF2B5EF4-FFF2-40B4-BE49-F238E27FC236}">
+                <a16:creationId xmlns:a16="http://schemas.microsoft.com/office/drawing/2014/main" id="{E9EF4CA8-12AF-FE4B-8580-861C0FE87FA9}"/>
+              </a:ext>
+            </a:extLst>
+          </p:cNvPr>
+          <p:cNvSpPr>
+            <a:spLocks noGrp="1"/>
+          </p:cNvSpPr>
+          <p:nvPr>
+            <p:ph type="sldNum" sz="quarter" idx="12"/>
+          </p:nvPr>
+        </p:nvSpPr>
+        <p:spPr/>
+        <p:txBody>
+          <a:bodyPr/>
+          <a:lstStyle/>
+          <a:p>
+            <a:fld id="{934C0642-4071-7D48-AFF8-BD27182896CC}" type="slidenum">
+              <a:rPr lang="en-US" smtClean="0"/>
+              <a:t>13</a:t>
+            </a:fld>
+            <a:endParaRPr lang="en-US" dirty="0"/>
+          </a:p>
+        </p:txBody>
+      </p:sp>
       <p:pic>
         <p:nvPicPr>
-          <p:cNvPr id="8" name="Picture 7">
+          <p:cNvPr id="5" name="Picture 4">
             <a:extLst>
               <a:ext uri="{FF2B5EF4-FFF2-40B4-BE49-F238E27FC236}">
-                <a16:creationId xmlns:a16="http://schemas.microsoft.com/office/drawing/2014/main" id="{D2351F37-E34F-734E-A12B-512A9F47520E}"/>
+                <a16:creationId xmlns:a16="http://schemas.microsoft.com/office/drawing/2014/main" id="{30818631-241C-C856-90FA-9DFE740E3FD0}"/>
               </a:ext>
             </a:extLst>
           </p:cNvPr>
@@ -5745,7 +5885,7 @@
           <p:nvPr/>
         </p:nvPicPr>
         <p:blipFill>
-          <a:blip/>
+          <a:blip r:embed="rId3"/>
           <a:stretch>
             <a:fillRect/>
           </a:stretch>
@@ -5760,152 +5900,12 @@
           </a:prstGeom>
         </p:spPr>
       </p:pic>
-      <p:sp>
-        <p:nvSpPr>
-          <p:cNvPr id="2" name="Title 1">
+      <p:pic>
+        <p:nvPicPr>
+          <p:cNvPr id="9" name="Picture 8">
             <a:extLst>
               <a:ext uri="{FF2B5EF4-FFF2-40B4-BE49-F238E27FC236}">
-                <a16:creationId xmlns:a16="http://schemas.microsoft.com/office/drawing/2014/main" id="{825FB8E5-674B-DE46-949C-BC0329D4EA98}"/>
-              </a:ext>
-            </a:extLst>
-          </p:cNvPr>
-          <p:cNvSpPr>
-            <a:spLocks noGrp="1"/>
-          </p:cNvSpPr>
-          <p:nvPr>
-            <p:ph type="title"/>
-          </p:nvPr>
-        </p:nvSpPr>
-        <p:spPr/>
-        <p:txBody>
-          <a:bodyPr>
-            <a:normAutofit fontScale="90000"/>
-          </a:bodyPr>
-          <a:lstStyle/>
-          <a:p>
-            <a:r>
-              <a:rPr lang="en-US" dirty="0"/>
-              <a:t>Is bias the only thing we should care about when we construct a sample?</a:t>
-            </a:r>
-          </a:p>
-        </p:txBody>
-      </p:sp>
-      <p:sp>
-        <p:nvSpPr>
-          <p:cNvPr id="3" name="Content Placeholder 2">
-            <a:extLst>
-              <a:ext uri="{FF2B5EF4-FFF2-40B4-BE49-F238E27FC236}">
-                <a16:creationId xmlns:a16="http://schemas.microsoft.com/office/drawing/2014/main" id="{05A9A0D0-65BC-394C-8C6E-C9C3F5C8C130}"/>
-              </a:ext>
-            </a:extLst>
-          </p:cNvPr>
-          <p:cNvSpPr>
-            <a:spLocks noGrp="1"/>
-          </p:cNvSpPr>
-          <p:nvPr>
-            <p:ph idx="1"/>
-          </p:nvPr>
-        </p:nvSpPr>
-        <p:spPr>
-          <a:xfrm>
-            <a:off x="628650" y="1369219"/>
-            <a:ext cx="7886700" cy="1429941"/>
-          </a:xfrm>
-        </p:spPr>
-        <p:txBody>
-          <a:bodyPr/>
-          <a:lstStyle/>
-          <a:p>
-            <a:pPr marL="0" indent="0" algn="ctr">
-              <a:buNone/>
-            </a:pPr>
-            <a:r>
-              <a:rPr lang="en-US" dirty="0"/>
-              <a:t>No, we also care about sample </a:t>
-            </a:r>
-            <a:r>
-              <a:rPr lang="en-US" i="1" dirty="0"/>
-              <a:t>size</a:t>
-            </a:r>
-            <a:r>
-              <a:rPr lang="en-US" dirty="0"/>
-              <a:t> </a:t>
-            </a:r>
-            <a:r>
-              <a:rPr lang="en-US" dirty="0">
-                <a:sym typeface="Wingdings" pitchFamily="2" charset="2"/>
-              </a:rPr>
-              <a:t> this influences the variance of the thing you’re trying to estimate. </a:t>
-            </a:r>
-          </a:p>
-          <a:p>
-            <a:r>
-              <a:rPr lang="en-US" dirty="0">
-                <a:sym typeface="Wingdings" pitchFamily="2" charset="2"/>
-              </a:rPr>
-              <a:t>Variance:</a:t>
-            </a:r>
-          </a:p>
-          <a:p>
-            <a:pPr lvl="1"/>
-            <a:r>
-              <a:rPr lang="en-US" dirty="0">
-                <a:sym typeface="Wingdings" pitchFamily="2" charset="2"/>
-              </a:rPr>
-              <a:t>The size of the range of possible estimates you’d get from each sample</a:t>
-            </a:r>
-          </a:p>
-          <a:p>
-            <a:pPr marL="0" indent="0" algn="ctr">
-              <a:buNone/>
-            </a:pPr>
-            <a:endParaRPr lang="en-US" dirty="0">
-              <a:sym typeface="Wingdings" pitchFamily="2" charset="2"/>
-            </a:endParaRPr>
-          </a:p>
-          <a:p>
-            <a:pPr marL="0" indent="0" algn="ctr">
-              <a:buNone/>
-            </a:pPr>
-            <a:endParaRPr lang="en-US" dirty="0"/>
-          </a:p>
-        </p:txBody>
-      </p:sp>
-      <p:sp>
-        <p:nvSpPr>
-          <p:cNvPr id="4" name="Slide Number Placeholder 3">
-            <a:extLst>
-              <a:ext uri="{FF2B5EF4-FFF2-40B4-BE49-F238E27FC236}">
-                <a16:creationId xmlns:a16="http://schemas.microsoft.com/office/drawing/2014/main" id="{E9EF4CA8-12AF-FE4B-8580-861C0FE87FA9}"/>
-              </a:ext>
-            </a:extLst>
-          </p:cNvPr>
-          <p:cNvSpPr>
-            <a:spLocks noGrp="1"/>
-          </p:cNvSpPr>
-          <p:nvPr>
-            <p:ph type="sldNum" sz="quarter" idx="12"/>
-          </p:nvPr>
-        </p:nvSpPr>
-        <p:spPr/>
-        <p:txBody>
-          <a:bodyPr/>
-          <a:lstStyle/>
-          <a:p>
-            <a:fld id="{934C0642-4071-7D48-AFF8-BD27182896CC}" type="slidenum">
-              <a:rPr lang="en-US" smtClean="0"/>
-              <a:t>13</a:t>
-            </a:fld>
-            <a:endParaRPr lang="en-US" dirty="0"/>
-          </a:p>
-        </p:txBody>
-      </p:sp>
-      <p:pic>
-        <p:nvPicPr>
-          <p:cNvPr id="6" name="Picture 5">
-            <a:extLst>
-              <a:ext uri="{FF2B5EF4-FFF2-40B4-BE49-F238E27FC236}">
-                <a16:creationId xmlns:a16="http://schemas.microsoft.com/office/drawing/2014/main" id="{D758587F-ABDA-4B42-8221-59E3E6BE4EC2}"/>
+                <a16:creationId xmlns:a16="http://schemas.microsoft.com/office/drawing/2014/main" id="{858C10BE-4B93-1C71-5338-CD85572C8AD1}"/>
               </a:ext>
             </a:extLst>
           </p:cNvPr>
@@ -5915,7 +5915,7 @@
           <p:nvPr/>
         </p:nvPicPr>
         <p:blipFill>
-          <a:blip/>
+          <a:blip r:embed="rId4"/>
           <a:stretch>
             <a:fillRect/>
           </a:stretch>
@@ -5932,10 +5932,10 @@
       </p:pic>
       <p:pic>
         <p:nvPicPr>
-          <p:cNvPr id="7" name="Picture 6">
+          <p:cNvPr id="10" name="Picture 9">
             <a:extLst>
               <a:ext uri="{FF2B5EF4-FFF2-40B4-BE49-F238E27FC236}">
-                <a16:creationId xmlns:a16="http://schemas.microsoft.com/office/drawing/2014/main" id="{8AD94F2C-A7A7-544B-9A20-7C9B3C6334C2}"/>
+                <a16:creationId xmlns:a16="http://schemas.microsoft.com/office/drawing/2014/main" id="{B4566D1B-9639-28FD-08A0-8254D37496BF}"/>
               </a:ext>
             </a:extLst>
           </p:cNvPr>
@@ -5945,7 +5945,7 @@
           <p:nvPr/>
         </p:nvPicPr>
         <p:blipFill>
-          <a:blip/>
+          <a:blip r:embed="rId5"/>
           <a:stretch>
             <a:fillRect/>
           </a:stretch>
@@ -6115,7 +6115,7 @@
                                           </p:stCondLst>
                                         </p:cTn>
                                         <p:tgtEl>
-                                          <p:spTgt spid="6"/>
+                                          <p:spTgt spid="9"/>
                                         </p:tgtEl>
                                         <p:attrNameLst>
                                           <p:attrName>style.visibility</p:attrName>
@@ -6160,7 +6160,7 @@
                                           </p:stCondLst>
                                         </p:cTn>
                                         <p:tgtEl>
-                                          <p:spTgt spid="7"/>
+                                          <p:spTgt spid="10"/>
                                         </p:tgtEl>
                                         <p:attrNameLst>
                                           <p:attrName>style.visibility</p:attrName>
@@ -6205,7 +6205,7 @@
                                           </p:stCondLst>
                                         </p:cTn>
                                         <p:tgtEl>
-                                          <p:spTgt spid="8"/>
+                                          <p:spTgt spid="5"/>
                                         </p:tgtEl>
                                         <p:attrNameLst>
                                           <p:attrName>style.visibility</p:attrName>
@@ -6420,10 +6420,10 @@
       </p:sp>
       <p:pic>
         <p:nvPicPr>
-          <p:cNvPr id="1026" name="Picture 2">
+          <p:cNvPr id="5" name="Picture 2">
             <a:extLst>
               <a:ext uri="{FF2B5EF4-FFF2-40B4-BE49-F238E27FC236}">
-                <a16:creationId xmlns:a16="http://schemas.microsoft.com/office/drawing/2014/main" id="{4A778440-A4F1-1F47-8B90-E94B7759E42B}"/>
+                <a16:creationId xmlns:a16="http://schemas.microsoft.com/office/drawing/2014/main" id="{A2DE4FE1-8C30-80B3-09D3-82C8A138073A}"/>
               </a:ext>
             </a:extLst>
           </p:cNvPr>
@@ -6433,7 +6433,7 @@
           <p:nvPr/>
         </p:nvPicPr>
         <p:blipFill>
-          <a:blip>
+          <a:blip r:embed="rId2">
             <a:extLst>
               <a:ext uri="{28A0092B-C50C-407E-A947-70E740481C1C}">
                 <a14:useLocalDpi xmlns:a14="http://schemas.microsoft.com/office/drawing/2010/main" val="0"/>
@@ -7003,7 +7003,7 @@
                                         <p:tgtEl>
                                           <p:spTgt spid="3">
                                             <p:txEl>
-                                              <p:pRg st="5" end="5"/>
+                                              <p:pRg st="1" end="1"/>
                                             </p:txEl>
                                           </p:spTgt>
                                         </p:tgtEl>
@@ -7052,7 +7052,7 @@
                                         <p:tgtEl>
                                           <p:spTgt spid="3">
                                             <p:txEl>
-                                              <p:pRg st="1" end="1"/>
+                                              <p:pRg st="2" end="2"/>
                                             </p:txEl>
                                           </p:spTgt>
                                         </p:tgtEl>
@@ -7101,7 +7101,7 @@
                                         <p:tgtEl>
                                           <p:spTgt spid="3">
                                             <p:txEl>
-                                              <p:pRg st="2" end="2"/>
+                                              <p:pRg st="3" end="3"/>
                                             </p:txEl>
                                           </p:spTgt>
                                         </p:tgtEl>
@@ -7150,7 +7150,7 @@
                                         <p:tgtEl>
                                           <p:spTgt spid="3">
                                             <p:txEl>
-                                              <p:pRg st="3" end="3"/>
+                                              <p:pRg st="4" end="4"/>
                                             </p:txEl>
                                           </p:spTgt>
                                         </p:tgtEl>
@@ -7199,7 +7199,7 @@
                                         <p:tgtEl>
                                           <p:spTgt spid="3">
                                             <p:txEl>
-                                              <p:pRg st="4" end="4"/>
+                                              <p:pRg st="5" end="5"/>
                                             </p:txEl>
                                           </p:spTgt>
                                         </p:tgtEl>
@@ -7484,10 +7484,10 @@
       </p:sp>
       <p:pic>
         <p:nvPicPr>
-          <p:cNvPr id="5" name="Picture 4">
+          <p:cNvPr id="6" name="Picture 5">
             <a:extLst>
               <a:ext uri="{FF2B5EF4-FFF2-40B4-BE49-F238E27FC236}">
-                <a16:creationId xmlns:a16="http://schemas.microsoft.com/office/drawing/2014/main" id="{623FB5EA-77A4-474B-8A90-0E9CD66C3993}"/>
+                <a16:creationId xmlns:a16="http://schemas.microsoft.com/office/drawing/2014/main" id="{FEE4D739-8B83-3A8D-2969-91603F847C02}"/>
               </a:ext>
             </a:extLst>
           </p:cNvPr>
@@ -7497,7 +7497,7 @@
           <p:nvPr/>
         </p:nvPicPr>
         <p:blipFill>
-          <a:blip/>
+          <a:blip r:embed="rId2"/>
           <a:stretch>
             <a:fillRect/>
           </a:stretch>
@@ -7898,10 +7898,10 @@
       </p:sp>
       <p:pic>
         <p:nvPicPr>
-          <p:cNvPr id="5" name="Picture 4">
+          <p:cNvPr id="6" name="Picture 5">
             <a:extLst>
               <a:ext uri="{FF2B5EF4-FFF2-40B4-BE49-F238E27FC236}">
-                <a16:creationId xmlns:a16="http://schemas.microsoft.com/office/drawing/2014/main" id="{7414E549-2B53-6448-BFCF-BC85C42160B1}"/>
+                <a16:creationId xmlns:a16="http://schemas.microsoft.com/office/drawing/2014/main" id="{1C5E0F79-22DE-2E4C-131B-4DEDB76EAB5B}"/>
               </a:ext>
             </a:extLst>
           </p:cNvPr>
@@ -7911,7 +7911,7 @@
           <p:nvPr/>
         </p:nvPicPr>
         <p:blipFill>
-          <a:blip/>
+          <a:blip r:embed="rId4"/>
           <a:stretch>
             <a:fillRect/>
           </a:stretch>
@@ -9525,10 +9525,10 @@
       </p:sp>
       <p:pic>
         <p:nvPicPr>
-          <p:cNvPr id="5" name="Picture 4">
+          <p:cNvPr id="6" name="Picture 5">
             <a:extLst>
               <a:ext uri="{FF2B5EF4-FFF2-40B4-BE49-F238E27FC236}">
-                <a16:creationId xmlns:a16="http://schemas.microsoft.com/office/drawing/2014/main" id="{623FB5EA-77A4-474B-8A90-0E9CD66C3993}"/>
+                <a16:creationId xmlns:a16="http://schemas.microsoft.com/office/drawing/2014/main" id="{88ABB957-B1CE-0C6F-0CB5-A425F5EE0D57}"/>
               </a:ext>
             </a:extLst>
           </p:cNvPr>
@@ -9538,7 +9538,7 @@
           <p:nvPr/>
         </p:nvPicPr>
         <p:blipFill>
-          <a:blip/>
+          <a:blip r:embed="rId2"/>
           <a:stretch>
             <a:fillRect/>
           </a:stretch>
